--- a/2. Problem Solving Competition/Problem Solving Competition.pptx
+++ b/2. Problem Solving Competition/Problem Solving Competition.pptx
@@ -17,6 +17,7 @@
     <p:sldId id="262" r:id="rId14"/>
     <p:sldId id="263" r:id="rId15"/>
     <p:sldId id="264" r:id="rId16"/>
+    <p:sldId id="265" r:id="rId17"/>
   </p:sldIdLst>
   <p:sldSz cx="24384000" cy="13716000"/>
   <p:notesSz cx="6858000" cy="9144000"/>
@@ -4325,28 +4326,7 @@
       </p:grpSpPr>
       <p:sp>
         <p:nvSpPr>
-          <p:cNvPr id="160" name="Autor y fecha"/>
-          <p:cNvSpPr txBox="1"/>
-          <p:nvPr>
-            <p:ph type="body" idx="21"/>
-          </p:nvPr>
-        </p:nvSpPr>
-        <p:spPr>
-          <a:prstGeom prst="rect">
-            <a:avLst/>
-          </a:prstGeom>
-        </p:spPr>
-        <p:txBody>
-          <a:bodyPr/>
-          <a:lstStyle/>
-          <a:p>
-            <a:pPr/>
-          </a:p>
-        </p:txBody>
-      </p:sp>
-      <p:sp>
-        <p:nvSpPr>
-          <p:cNvPr id="161" name="Unit 2. Software Engineering"/>
+          <p:cNvPr id="160" name="Unit 2. Software Engineering"/>
           <p:cNvSpPr txBox="1"/>
           <p:nvPr>
             <p:ph type="ctrTitle"/>
@@ -4370,7 +4350,7 @@
       </p:sp>
       <p:sp>
         <p:nvSpPr>
-          <p:cNvPr id="162" name="Problem Solving Competition"/>
+          <p:cNvPr id="161" name="Problem Solving Competition"/>
           <p:cNvSpPr txBox="1"/>
           <p:nvPr>
             <p:ph type="subTitle" sz="quarter" idx="1"/>
@@ -4388,6 +4368,224 @@
             <a:pPr/>
             <a:r>
               <a:t>Problem Solving Competition</a:t>
+            </a:r>
+          </a:p>
+        </p:txBody>
+      </p:sp>
+    </p:spTree>
+  </p:cSld>
+  <p:clrMapOvr>
+    <a:masterClrMapping/>
+  </p:clrMapOvr>
+  <p:transition xmlns:p14="http://schemas.microsoft.com/office/powerpoint/2010/main" spd="med" advClick="1"/>
+</p:sld>
+</file>
+
+<file path=ppt/slides/slide10.xml><?xml version="1.0" encoding="utf-8"?>
+<p:sld xmlns:a="http://schemas.openxmlformats.org/drawingml/2006/main" xmlns:r="http://schemas.openxmlformats.org/officeDocument/2006/relationships" xmlns:p="http://schemas.openxmlformats.org/presentationml/2006/main" xmlns:m="http://schemas.openxmlformats.org/officeDocument/2006/math" xmlns:a14="http://schemas.microsoft.com/office/drawing/2010/main" showMasterSp="1" showMasterPhAnim="1">
+  <p:cSld>
+    <p:bg>
+      <p:bgPr>
+        <a:solidFill>
+          <a:srgbClr val="EDDACC"/>
+        </a:solidFill>
+      </p:bgPr>
+    </p:bg>
+    <p:spTree>
+      <p:nvGrpSpPr>
+        <p:cNvPr id="1" name=""/>
+        <p:cNvGrpSpPr/>
+        <p:nvPr/>
+      </p:nvGrpSpPr>
+      <p:grpSpPr>
+        <a:xfrm>
+          <a:off x="0" y="0"/>
+          <a:ext cx="0" cy="0"/>
+          <a:chOff x="0" y="0"/>
+          <a:chExt cx="0" cy="0"/>
+        </a:xfrm>
+      </p:grpSpPr>
+      <p:sp>
+        <p:nvSpPr>
+          <p:cNvPr id="214" name="Google Shape;66;p14"/>
+          <p:cNvSpPr/>
+          <p:nvPr/>
+        </p:nvSpPr>
+        <p:spPr>
+          <a:xfrm>
+            <a:off x="-189734" y="-1"/>
+            <a:ext cx="24908800" cy="3644001"/>
+          </a:xfrm>
+          <a:prstGeom prst="rect">
+            <a:avLst/>
+          </a:prstGeom>
+          <a:solidFill>
+            <a:srgbClr val="264190"/>
+          </a:solidFill>
+          <a:ln w="76200">
+            <a:solidFill>
+              <a:srgbClr val="000000"/>
+            </a:solidFill>
+          </a:ln>
+        </p:spPr>
+        <p:txBody>
+          <a:bodyPr lIns="0" tIns="0" rIns="0" bIns="0" anchor="ctr"/>
+          <a:lstStyle/>
+          <a:p>
+            <a:pPr algn="l" defTabSz="2438400">
+              <a:defRPr sz="3600">
+                <a:solidFill>
+                  <a:srgbClr val="F5B679"/>
+                </a:solidFill>
+                <a:latin typeface="Arial"/>
+                <a:ea typeface="Arial"/>
+                <a:cs typeface="Arial"/>
+                <a:sym typeface="Arial"/>
+              </a:defRPr>
+            </a:pPr>
+          </a:p>
+        </p:txBody>
+      </p:sp>
+      <p:sp>
+        <p:nvSpPr>
+          <p:cNvPr id="215" name="Google Shape;67;p14"/>
+          <p:cNvSpPr/>
+          <p:nvPr/>
+        </p:nvSpPr>
+        <p:spPr>
+          <a:xfrm>
+            <a:off x="-379401" y="3528600"/>
+            <a:ext cx="24966402" cy="1"/>
+          </a:xfrm>
+          <a:prstGeom prst="line">
+            <a:avLst/>
+          </a:prstGeom>
+          <a:ln w="76200">
+            <a:solidFill>
+              <a:srgbClr val="000000"/>
+            </a:solidFill>
+          </a:ln>
+        </p:spPr>
+        <p:txBody>
+          <a:bodyPr lIns="0" tIns="0" rIns="0" bIns="0"/>
+          <a:lstStyle/>
+          <a:p>
+            <a:pPr algn="l" defTabSz="2438400">
+              <a:defRPr sz="3600">
+                <a:solidFill>
+                  <a:srgbClr val="000000"/>
+                </a:solidFill>
+                <a:latin typeface="Arial"/>
+                <a:ea typeface="Arial"/>
+                <a:cs typeface="Arial"/>
+                <a:sym typeface="Arial"/>
+              </a:defRPr>
+            </a:pPr>
+          </a:p>
+        </p:txBody>
+      </p:sp>
+      <p:sp>
+        <p:nvSpPr>
+          <p:cNvPr id="216" name="2. Google Shape;68;p14"/>
+          <p:cNvSpPr txBox="1"/>
+          <p:nvPr>
+            <p:ph type="title"/>
+          </p:nvPr>
+        </p:nvSpPr>
+        <p:spPr>
+          <a:xfrm>
+            <a:off x="903866" y="589508"/>
+            <a:ext cx="22721602" cy="2464984"/>
+          </a:xfrm>
+          <a:prstGeom prst="rect">
+            <a:avLst/>
+          </a:prstGeom>
+        </p:spPr>
+        <p:txBody>
+          <a:bodyPr anchor="ctr"/>
+          <a:lstStyle>
+            <a:lvl1pPr>
+              <a:defRPr b="1" sz="12000">
+                <a:solidFill>
+                  <a:srgbClr val="FFFFFF"/>
+                </a:solidFill>
+              </a:defRPr>
+            </a:lvl1pPr>
+          </a:lstStyle>
+          <a:p>
+            <a:pPr/>
+            <a:r>
+              <a:t>Be careful!</a:t>
+            </a:r>
+          </a:p>
+        </p:txBody>
+      </p:sp>
+      <p:sp>
+        <p:nvSpPr>
+          <p:cNvPr id="217" name="Online competition improves your skills, but it doesn’t give you the necessary theory that companies are looking.…"/>
+          <p:cNvSpPr txBox="1"/>
+          <p:nvPr>
+            <p:ph type="body" sz="half" idx="1"/>
+          </p:nvPr>
+        </p:nvSpPr>
+        <p:spPr>
+          <a:xfrm>
+            <a:off x="2763956" y="5037953"/>
+            <a:ext cx="19001421" cy="6106521"/>
+          </a:xfrm>
+          <a:prstGeom prst="rect">
+            <a:avLst/>
+          </a:prstGeom>
+        </p:spPr>
+        <p:txBody>
+          <a:bodyPr/>
+          <a:lstStyle/>
+          <a:p>
+            <a:pPr>
+              <a:defRPr b="1">
+                <a:solidFill>
+                  <a:srgbClr val="000000"/>
+                </a:solidFill>
+              </a:defRPr>
+            </a:pPr>
+            <a:r>
+              <a:t>Online competition improves your skills, but it doesn’t give you the necessary theory that companies are looking.</a:t>
+            </a:r>
+          </a:p>
+          <a:p>
+            <a:pPr>
+              <a:defRPr b="1">
+                <a:solidFill>
+                  <a:srgbClr val="000000"/>
+                </a:solidFill>
+              </a:defRPr>
+            </a:pPr>
+            <a:r>
+              <a:t>Job interview challenges only cover one part of the process</a:t>
+            </a:r>
+          </a:p>
+          <a:p>
+            <a:pPr>
+              <a:defRPr b="1">
+                <a:solidFill>
+                  <a:srgbClr val="000000"/>
+                </a:solidFill>
+              </a:defRPr>
+            </a:pPr>
+            <a:r>
+              <a:t>Recruiters will ask you the underlying reasons of your answers</a:t>
+            </a:r>
+          </a:p>
+          <a:p>
+            <a:pPr>
+              <a:defRPr b="1">
+                <a:solidFill>
+                  <a:srgbClr val="000000"/>
+                </a:solidFill>
+              </a:defRPr>
+            </a:pPr>
+            <a:r>
+              <a:t>Thus, take these competition website as a complement of your skillset</a:t>
             </a:r>
           </a:p>
         </p:txBody>
@@ -4427,7 +4625,7 @@
       </p:grpSpPr>
       <p:sp>
         <p:nvSpPr>
-          <p:cNvPr id="164" name="Google Shape;66;p14"/>
+          <p:cNvPr id="163" name="Google Shape;66;p14"/>
           <p:cNvSpPr/>
           <p:nvPr/>
         </p:nvSpPr>
@@ -4468,7 +4666,7 @@
       </p:sp>
       <p:sp>
         <p:nvSpPr>
-          <p:cNvPr id="165" name="Google Shape;67;p14"/>
+          <p:cNvPr id="164" name="Google Shape;67;p14"/>
           <p:cNvSpPr/>
           <p:nvPr/>
         </p:nvSpPr>
@@ -4506,7 +4704,7 @@
       </p:sp>
       <p:sp>
         <p:nvSpPr>
-          <p:cNvPr id="166" name="2. Google Shape;68;p14"/>
+          <p:cNvPr id="165" name="2. Google Shape;68;p14"/>
           <p:cNvSpPr txBox="1"/>
           <p:nvPr>
             <p:ph type="title"/>
@@ -4542,7 +4740,7 @@
       </p:sp>
       <p:sp>
         <p:nvSpPr>
-          <p:cNvPr id="167" name="Unit 2. Software Engineering"/>
+          <p:cNvPr id="166" name="Unit 2. Software Engineering"/>
           <p:cNvSpPr/>
           <p:nvPr/>
         </p:nvSpPr>
@@ -4594,7 +4792,7 @@
       </p:sp>
       <p:sp>
         <p:nvSpPr>
-          <p:cNvPr id="168" name="Improve your program for your readers (interviewers)…"/>
+          <p:cNvPr id="167" name="Improve your program for your readers (interviewers)…"/>
           <p:cNvSpPr/>
           <p:nvPr/>
         </p:nvSpPr>
@@ -4673,7 +4871,7 @@
       </p:sp>
       <p:sp>
         <p:nvSpPr>
-          <p:cNvPr id="169" name="2.1 Algorithms &amp; Data Structures"/>
+          <p:cNvPr id="168" name="2.1 Algorithms &amp; Data Structures"/>
           <p:cNvSpPr/>
           <p:nvPr/>
         </p:nvSpPr>
@@ -4725,7 +4923,7 @@
       </p:sp>
       <p:sp>
         <p:nvSpPr>
-          <p:cNvPr id="170" name="Make your program run faster and efficiently…"/>
+          <p:cNvPr id="169" name="Make your program run faster and efficiently…"/>
           <p:cNvSpPr/>
           <p:nvPr/>
         </p:nvSpPr>
@@ -4798,7 +4996,7 @@
       </p:sp>
       <p:sp>
         <p:nvSpPr>
-          <p:cNvPr id="171" name="2.2 Problem Solving Competition"/>
+          <p:cNvPr id="170" name="2.2 Problem Solving Competition"/>
           <p:cNvSpPr/>
           <p:nvPr/>
         </p:nvSpPr>
@@ -4850,7 +5048,7 @@
       </p:sp>
       <p:sp>
         <p:nvSpPr>
-          <p:cNvPr id="172" name="2.3 Software Design and Testing"/>
+          <p:cNvPr id="171" name="2.3 Software Design and Testing"/>
           <p:cNvSpPr/>
           <p:nvPr/>
         </p:nvSpPr>
@@ -4902,7 +5100,7 @@
       </p:sp>
       <p:sp>
         <p:nvSpPr>
-          <p:cNvPr id="173" name="Apply your skills online!…"/>
+          <p:cNvPr id="172" name="Apply your skills online!…"/>
           <p:cNvSpPr/>
           <p:nvPr/>
         </p:nvSpPr>
@@ -4964,7 +5162,7 @@
       </p:sp>
       <p:sp>
         <p:nvSpPr>
-          <p:cNvPr id="174" name="Make your program Scalable and Robust…"/>
+          <p:cNvPr id="173" name="Make your program Scalable and Robust…"/>
           <p:cNvSpPr/>
           <p:nvPr/>
         </p:nvSpPr>
@@ -5037,7 +5235,7 @@
       </p:sp>
       <p:sp>
         <p:nvSpPr>
-          <p:cNvPr id="175" name="Rectángulo"/>
+          <p:cNvPr id="174" name="Rectángulo"/>
           <p:cNvSpPr/>
           <p:nvPr/>
         </p:nvSpPr>
@@ -5117,7 +5315,7 @@
                                       <p:cBhvr>
                                         <p:cTn id="6" fill="hold"/>
                                         <p:tgtEl>
-                                          <p:spTgt spid="170"/>
+                                          <p:spTgt spid="169"/>
                                         </p:tgtEl>
                                         <p:attrNameLst>
                                           <p:attrName>style.visibility</p:attrName>
@@ -5131,7 +5329,7 @@
                                       <p:cBhvr>
                                         <p:cTn id="7" dur="1000"/>
                                         <p:tgtEl>
-                                          <p:spTgt spid="170"/>
+                                          <p:spTgt spid="169"/>
                                         </p:tgtEl>
                                       </p:cBhvr>
                                     </p:animEffect>
@@ -5169,7 +5367,7 @@
                                       <p:cBhvr>
                                         <p:cTn id="11" fill="hold"/>
                                         <p:tgtEl>
-                                          <p:spTgt spid="169"/>
+                                          <p:spTgt spid="168"/>
                                         </p:tgtEl>
                                         <p:attrNameLst>
                                           <p:attrName>style.visibility</p:attrName>
@@ -5183,7 +5381,7 @@
                                       <p:cBhvr>
                                         <p:cTn id="12" dur="1000"/>
                                         <p:tgtEl>
-                                          <p:spTgt spid="169"/>
+                                          <p:spTgt spid="168"/>
                                         </p:tgtEl>
                                       </p:cBhvr>
                                     </p:animEffect>
@@ -5221,7 +5419,7 @@
                                       <p:cBhvr>
                                         <p:cTn id="16" fill="hold"/>
                                         <p:tgtEl>
-                                          <p:spTgt spid="171"/>
+                                          <p:spTgt spid="170"/>
                                         </p:tgtEl>
                                         <p:attrNameLst>
                                           <p:attrName>style.visibility</p:attrName>
@@ -5235,7 +5433,7 @@
                                       <p:cBhvr>
                                         <p:cTn id="17" dur="1000"/>
                                         <p:tgtEl>
-                                          <p:spTgt spid="171"/>
+                                          <p:spTgt spid="170"/>
                                         </p:tgtEl>
                                       </p:cBhvr>
                                     </p:animEffect>
@@ -5273,7 +5471,7 @@
                                       <p:cBhvr>
                                         <p:cTn id="21" fill="hold"/>
                                         <p:tgtEl>
-                                          <p:spTgt spid="173"/>
+                                          <p:spTgt spid="172"/>
                                         </p:tgtEl>
                                         <p:attrNameLst>
                                           <p:attrName>style.visibility</p:attrName>
@@ -5287,7 +5485,7 @@
                                       <p:cBhvr>
                                         <p:cTn id="22" dur="1000"/>
                                         <p:tgtEl>
-                                          <p:spTgt spid="173"/>
+                                          <p:spTgt spid="172"/>
                                         </p:tgtEl>
                                       </p:cBhvr>
                                     </p:animEffect>
@@ -5325,7 +5523,7 @@
                                       <p:cBhvr>
                                         <p:cTn id="26" fill="hold"/>
                                         <p:tgtEl>
-                                          <p:spTgt spid="174"/>
+                                          <p:spTgt spid="173"/>
                                         </p:tgtEl>
                                         <p:attrNameLst>
                                           <p:attrName>style.visibility</p:attrName>
@@ -5339,7 +5537,7 @@
                                       <p:cBhvr>
                                         <p:cTn id="27" dur="1000"/>
                                         <p:tgtEl>
-                                          <p:spTgt spid="174"/>
+                                          <p:spTgt spid="173"/>
                                         </p:tgtEl>
                                       </p:cBhvr>
                                     </p:animEffect>
@@ -5377,7 +5575,7 @@
                                       <p:cBhvr>
                                         <p:cTn id="31" fill="hold"/>
                                         <p:tgtEl>
-                                          <p:spTgt spid="172"/>
+                                          <p:spTgt spid="171"/>
                                         </p:tgtEl>
                                         <p:attrNameLst>
                                           <p:attrName>style.visibility</p:attrName>
@@ -5391,7 +5589,7 @@
                                       <p:cBhvr>
                                         <p:cTn id="32" dur="1000"/>
                                         <p:tgtEl>
-                                          <p:spTgt spid="172"/>
+                                          <p:spTgt spid="171"/>
                                         </p:tgtEl>
                                       </p:cBhvr>
                                     </p:animEffect>
@@ -5426,12 +5624,12 @@
       </p:par>
     </p:tnLst>
     <p:bldLst>
-      <p:bldP build="whole" bldLvl="1" animBg="1" rev="0" advAuto="0" spid="171" grpId="3"/>
-      <p:bldP build="whole" bldLvl="1" animBg="1" rev="0" advAuto="0" spid="169" grpId="2"/>
-      <p:bldP build="whole" bldLvl="1" animBg="1" rev="0" advAuto="0" spid="174" grpId="5"/>
-      <p:bldP build="whole" bldLvl="1" animBg="1" rev="0" advAuto="0" spid="172" grpId="6"/>
-      <p:bldP build="whole" bldLvl="1" animBg="1" rev="0" advAuto="0" spid="173" grpId="4"/>
-      <p:bldP build="whole" bldLvl="1" animBg="1" rev="0" advAuto="0" spid="170" grpId="1"/>
+      <p:bldP build="whole" bldLvl="1" animBg="1" rev="0" advAuto="0" spid="173" grpId="5"/>
+      <p:bldP build="whole" bldLvl="1" animBg="1" rev="0" advAuto="0" spid="169" grpId="1"/>
+      <p:bldP build="whole" bldLvl="1" animBg="1" rev="0" advAuto="0" spid="168" grpId="2"/>
+      <p:bldP build="whole" bldLvl="1" animBg="1" rev="0" advAuto="0" spid="170" grpId="3"/>
+      <p:bldP build="whole" bldLvl="1" animBg="1" rev="0" advAuto="0" spid="172" grpId="4"/>
+      <p:bldP build="whole" bldLvl="1" animBg="1" rev="0" advAuto="0" spid="171" grpId="6"/>
     </p:bldLst>
   </p:timing>
 </p:sld>
@@ -5463,7 +5661,7 @@
       </p:grpSpPr>
       <p:sp>
         <p:nvSpPr>
-          <p:cNvPr id="177" name="Google Shape;66;p14"/>
+          <p:cNvPr id="176" name="Google Shape;66;p14"/>
           <p:cNvSpPr/>
           <p:nvPr/>
         </p:nvSpPr>
@@ -5504,7 +5702,7 @@
       </p:sp>
       <p:sp>
         <p:nvSpPr>
-          <p:cNvPr id="178" name="Google Shape;67;p14"/>
+          <p:cNvPr id="177" name="Google Shape;67;p14"/>
           <p:cNvSpPr/>
           <p:nvPr/>
         </p:nvSpPr>
@@ -5542,7 +5740,7 @@
       </p:sp>
       <p:sp>
         <p:nvSpPr>
-          <p:cNvPr id="179" name="2. Google Shape;68;p14"/>
+          <p:cNvPr id="178" name="2. Google Shape;68;p14"/>
           <p:cNvSpPr txBox="1"/>
           <p:nvPr>
             <p:ph type="title"/>
@@ -5578,7 +5776,7 @@
       </p:sp>
       <p:sp>
         <p:nvSpPr>
-          <p:cNvPr id="180" name="Find a Faster and Efficient algorithm…"/>
+          <p:cNvPr id="179" name="Find a Faster and Efficient algorithm…"/>
           <p:cNvSpPr txBox="1"/>
           <p:nvPr>
             <p:ph type="body" sz="quarter" idx="1"/>
@@ -5681,7 +5879,7 @@
       </p:sp>
       <p:sp>
         <p:nvSpPr>
-          <p:cNvPr id="181" name="2.2 Problem Solving Competition"/>
+          <p:cNvPr id="180" name="2.2 Problem Solving Competition"/>
           <p:cNvSpPr/>
           <p:nvPr/>
         </p:nvSpPr>
@@ -5733,7 +5931,7 @@
       </p:sp>
       <p:sp>
         <p:nvSpPr>
-          <p:cNvPr id="182" name="Apply your skills online!…"/>
+          <p:cNvPr id="181" name="Apply your skills online!…"/>
           <p:cNvSpPr/>
           <p:nvPr/>
         </p:nvSpPr>
@@ -5795,7 +5993,7 @@
       </p:sp>
       <p:sp>
         <p:nvSpPr>
-          <p:cNvPr id="183" name="Rectángulo"/>
+          <p:cNvPr id="182" name="Rectángulo"/>
           <p:cNvSpPr/>
           <p:nvPr/>
         </p:nvSpPr>
@@ -5875,7 +6073,7 @@
                                       <p:cBhvr>
                                         <p:cTn id="6" fill="hold"/>
                                         <p:tgtEl>
-                                          <p:spTgt spid="181"/>
+                                          <p:spTgt spid="180"/>
                                         </p:tgtEl>
                                         <p:attrNameLst>
                                           <p:attrName>style.visibility</p:attrName>
@@ -5889,7 +6087,7 @@
                                       <p:cBhvr>
                                         <p:cTn id="7" dur="1000"/>
                                         <p:tgtEl>
-                                          <p:spTgt spid="181"/>
+                                          <p:spTgt spid="180"/>
                                         </p:tgtEl>
                                       </p:cBhvr>
                                     </p:animEffect>
@@ -5927,7 +6125,7 @@
                                       <p:cBhvr>
                                         <p:cTn id="11" fill="hold"/>
                                         <p:tgtEl>
-                                          <p:spTgt spid="182"/>
+                                          <p:spTgt spid="181"/>
                                         </p:tgtEl>
                                         <p:attrNameLst>
                                           <p:attrName>style.visibility</p:attrName>
@@ -5941,7 +6139,7 @@
                                       <p:cBhvr>
                                         <p:cTn id="12" dur="1000"/>
                                         <p:tgtEl>
-                                          <p:spTgt spid="182"/>
+                                          <p:spTgt spid="181"/>
                                         </p:tgtEl>
                                       </p:cBhvr>
                                     </p:animEffect>
@@ -5976,8 +6174,8 @@
       </p:par>
     </p:tnLst>
     <p:bldLst>
-      <p:bldP build="whole" bldLvl="1" animBg="1" rev="0" advAuto="0" spid="182" grpId="2"/>
-      <p:bldP build="whole" bldLvl="1" animBg="1" rev="0" advAuto="0" spid="181" grpId="1"/>
+      <p:bldP build="whole" bldLvl="1" animBg="1" rev="0" advAuto="0" spid="180" grpId="1"/>
+      <p:bldP build="whole" bldLvl="1" animBg="1" rev="0" advAuto="0" spid="181" grpId="2"/>
     </p:bldLst>
   </p:timing>
 </p:sld>
@@ -6009,7 +6207,7 @@
       </p:grpSpPr>
       <p:sp>
         <p:nvSpPr>
-          <p:cNvPr id="185" name="Google Shape;66;p14"/>
+          <p:cNvPr id="184" name="Google Shape;66;p14"/>
           <p:cNvSpPr/>
           <p:nvPr/>
         </p:nvSpPr>
@@ -6050,7 +6248,7 @@
       </p:sp>
       <p:sp>
         <p:nvSpPr>
-          <p:cNvPr id="186" name="Google Shape;67;p14"/>
+          <p:cNvPr id="185" name="Google Shape;67;p14"/>
           <p:cNvSpPr/>
           <p:nvPr/>
         </p:nvSpPr>
@@ -6088,7 +6286,7 @@
       </p:sp>
       <p:sp>
         <p:nvSpPr>
-          <p:cNvPr id="187" name="2. Google Shape;68;p14"/>
+          <p:cNvPr id="186" name="2. Google Shape;68;p14"/>
           <p:cNvSpPr txBox="1"/>
           <p:nvPr>
             <p:ph type="title"/>
@@ -6124,7 +6322,7 @@
       </p:sp>
       <p:sp>
         <p:nvSpPr>
-          <p:cNvPr id="188" name="Think Optimal: When solving real life problems, you need the optimal solution. This solution is not trivial…"/>
+          <p:cNvPr id="187" name="Think Optimal: When solving real life problems, you need the optimal solution. This solution is not trivial…"/>
           <p:cNvSpPr txBox="1"/>
           <p:nvPr>
             <p:ph type="body" idx="1"/>
@@ -6132,8 +6330,8 @@
         </p:nvSpPr>
         <p:spPr>
           <a:xfrm>
-            <a:off x="1681664" y="4776812"/>
-            <a:ext cx="20600023" cy="6754257"/>
+            <a:off x="1681664" y="4776813"/>
+            <a:ext cx="20600023" cy="6754256"/>
           </a:xfrm>
           <a:prstGeom prst="rect">
             <a:avLst/>
@@ -6227,7 +6425,7 @@
       </p:grpSpPr>
       <p:sp>
         <p:nvSpPr>
-          <p:cNvPr id="190" name="Google Shape;66;p14"/>
+          <p:cNvPr id="189" name="Google Shape;66;p14"/>
           <p:cNvSpPr/>
           <p:nvPr/>
         </p:nvSpPr>
@@ -6268,7 +6466,7 @@
       </p:sp>
       <p:sp>
         <p:nvSpPr>
-          <p:cNvPr id="191" name="Google Shape;67;p14"/>
+          <p:cNvPr id="190" name="Google Shape;67;p14"/>
           <p:cNvSpPr/>
           <p:nvPr/>
         </p:nvSpPr>
@@ -6306,7 +6504,7 @@
       </p:sp>
       <p:sp>
         <p:nvSpPr>
-          <p:cNvPr id="192" name="2. Google Shape;68;p14"/>
+          <p:cNvPr id="191" name="2. Google Shape;68;p14"/>
           <p:cNvSpPr txBox="1"/>
           <p:nvPr>
             <p:ph type="title"/>
@@ -6342,7 +6540,7 @@
       </p:sp>
       <p:sp>
         <p:nvSpPr>
-          <p:cNvPr id="193" name="Algorithmic Challenges: Test the speed and efficiency of your code using real life problems. Logical thinking…"/>
+          <p:cNvPr id="192" name="Algorithmic Challenges: Test the speed and efficiency of your code using real life problems. Logical thinking…"/>
           <p:cNvSpPr txBox="1"/>
           <p:nvPr>
             <p:ph type="body" idx="1"/>
@@ -6351,7 +6549,7 @@
         <p:spPr>
           <a:xfrm>
             <a:off x="2311932" y="4385102"/>
-            <a:ext cx="19113523" cy="7768451"/>
+            <a:ext cx="19113523" cy="7768450"/>
           </a:xfrm>
           <a:prstGeom prst="rect">
             <a:avLst/>
@@ -6464,7 +6662,7 @@
       </p:grpSpPr>
       <p:sp>
         <p:nvSpPr>
-          <p:cNvPr id="195" name="Google Shape;66;p14"/>
+          <p:cNvPr id="194" name="Google Shape;66;p14"/>
           <p:cNvSpPr/>
           <p:nvPr/>
         </p:nvSpPr>
@@ -6505,7 +6703,7 @@
       </p:sp>
       <p:sp>
         <p:nvSpPr>
-          <p:cNvPr id="196" name="Google Shape;67;p14"/>
+          <p:cNvPr id="195" name="Google Shape;67;p14"/>
           <p:cNvSpPr/>
           <p:nvPr/>
         </p:nvSpPr>
@@ -6543,7 +6741,7 @@
       </p:sp>
       <p:sp>
         <p:nvSpPr>
-          <p:cNvPr id="197" name="2. Google Shape;68;p14"/>
+          <p:cNvPr id="196" name="2. Google Shape;68;p14"/>
           <p:cNvSpPr txBox="1"/>
           <p:nvPr>
             <p:ph type="title"/>
@@ -6579,7 +6777,7 @@
       </p:sp>
       <p:sp>
         <p:nvSpPr>
-          <p:cNvPr id="198" name="TopCoder: It has 4 blocks Design, Development, Data Science, and Competitive Programming. The leaderboard is crowded with some of the best programmers out there! https://www.topcoder.com…"/>
+          <p:cNvPr id="197" name="TopCoder: It has 4 blocks Design, Development, Data Science, and Competitive Programming. The leaderboard is crowded with some of the best programmers out there! https://www.topcoder.com…"/>
           <p:cNvSpPr txBox="1"/>
           <p:nvPr>
             <p:ph type="body" sz="half" idx="1"/>
@@ -6587,8 +6785,8 @@
         </p:nvSpPr>
         <p:spPr>
           <a:xfrm>
-            <a:off x="2476292" y="4776812"/>
-            <a:ext cx="19873786" cy="6458556"/>
+            <a:off x="2476292" y="4776813"/>
+            <a:ext cx="19873786" cy="6458555"/>
           </a:xfrm>
           <a:prstGeom prst="rect">
             <a:avLst/>
@@ -6770,7 +6968,7 @@
       </p:grpSpPr>
       <p:sp>
         <p:nvSpPr>
-          <p:cNvPr id="200" name="Google Shape;66;p14"/>
+          <p:cNvPr id="199" name="Google Shape;66;p14"/>
           <p:cNvSpPr/>
           <p:nvPr/>
         </p:nvSpPr>
@@ -6811,7 +7009,7 @@
       </p:sp>
       <p:sp>
         <p:nvSpPr>
-          <p:cNvPr id="201" name="Google Shape;67;p14"/>
+          <p:cNvPr id="200" name="Google Shape;67;p14"/>
           <p:cNvSpPr/>
           <p:nvPr/>
         </p:nvSpPr>
@@ -6849,7 +7047,7 @@
       </p:sp>
       <p:sp>
         <p:nvSpPr>
-          <p:cNvPr id="202" name="2. Google Shape;68;p14"/>
+          <p:cNvPr id="201" name="2. Google Shape;68;p14"/>
           <p:cNvSpPr txBox="1"/>
           <p:nvPr>
             <p:ph type="title"/>
@@ -6885,7 +7083,7 @@
       </p:sp>
       <p:sp>
         <p:nvSpPr>
-          <p:cNvPr id="203" name="LeetCode: It has a great collection of challenges, and they offer weekly challenges. Apart from these challenges, it has various additional features such as job interview preparation. https://leetcode.com…"/>
+          <p:cNvPr id="202" name="LeetCode: It has a great collection of challenges, and they offer weekly challenges. Apart from these challenges, it has various additional features such as job interview preparation. https://leetcode.com…"/>
           <p:cNvSpPr txBox="1"/>
           <p:nvPr>
             <p:ph type="body" sz="half" idx="1"/>
@@ -7001,7 +7199,7 @@
       </p:grpSpPr>
       <p:sp>
         <p:nvSpPr>
-          <p:cNvPr id="205" name="Google Shape;66;p14"/>
+          <p:cNvPr id="204" name="Google Shape;66;p14"/>
           <p:cNvSpPr/>
           <p:nvPr/>
         </p:nvSpPr>
@@ -7042,7 +7240,7 @@
       </p:sp>
       <p:sp>
         <p:nvSpPr>
-          <p:cNvPr id="206" name="Google Shape;67;p14"/>
+          <p:cNvPr id="205" name="Google Shape;67;p14"/>
           <p:cNvSpPr/>
           <p:nvPr/>
         </p:nvSpPr>
@@ -7080,7 +7278,7 @@
       </p:sp>
       <p:sp>
         <p:nvSpPr>
-          <p:cNvPr id="207" name="2. Google Shape;68;p14"/>
+          <p:cNvPr id="206" name="2. Google Shape;68;p14"/>
           <p:cNvSpPr txBox="1"/>
           <p:nvPr>
             <p:ph type="title"/>
@@ -7116,7 +7314,7 @@
       </p:sp>
       <p:sp>
         <p:nvSpPr>
-          <p:cNvPr id="208" name="Kaggle: The most popular Data Science competition platform. It tests your skills at building a model, cleaning your data, creating new features… Companies around the world post problems to be solved by the competitors, and they will give a prize to the w"/>
+          <p:cNvPr id="207" name="Kaggle: The most popular Data Science competition platform. It tests your skills at building a model, cleaning your data, creating new features… Companies around the world post problems to be solved by the competitors, and they will give a prize to the w"/>
           <p:cNvSpPr txBox="1"/>
           <p:nvPr>
             <p:ph type="body" sz="half" idx="1"/>
@@ -7300,7 +7498,7 @@
       </p:grpSpPr>
       <p:sp>
         <p:nvSpPr>
-          <p:cNvPr id="210" name="Google Shape;66;p14"/>
+          <p:cNvPr id="209" name="Google Shape;66;p14"/>
           <p:cNvSpPr/>
           <p:nvPr/>
         </p:nvSpPr>
@@ -7341,7 +7539,7 @@
       </p:sp>
       <p:sp>
         <p:nvSpPr>
-          <p:cNvPr id="211" name="Google Shape;67;p14"/>
+          <p:cNvPr id="210" name="Google Shape;67;p14"/>
           <p:cNvSpPr/>
           <p:nvPr/>
         </p:nvSpPr>
@@ -7379,7 +7577,7 @@
       </p:sp>
       <p:sp>
         <p:nvSpPr>
-          <p:cNvPr id="212" name="2. Google Shape;68;p14"/>
+          <p:cNvPr id="211" name="2. Google Shape;68;p14"/>
           <p:cNvSpPr txBox="1"/>
           <p:nvPr>
             <p:ph type="title"/>
@@ -7408,14 +7606,14 @@
           <a:p>
             <a:pPr/>
             <a:r>
-              <a:t>Be careful!</a:t>
-            </a:r>
-          </a:p>
-        </p:txBody>
-      </p:sp>
-      <p:sp>
-        <p:nvSpPr>
-          <p:cNvPr id="213" name="Online competition improves your skills, but it doesn’t give you the necessary theory that companies are looking.…"/>
+              <a:t>Other Skills</a:t>
+            </a:r>
+          </a:p>
+        </p:txBody>
+      </p:sp>
+      <p:sp>
+        <p:nvSpPr>
+          <p:cNvPr id="212" name="Git: https://ohmygit.org/…"/>
           <p:cNvSpPr txBox="1"/>
           <p:nvPr>
             <p:ph type="body" sz="half" idx="1"/>
@@ -7423,8 +7621,8 @@
         </p:nvSpPr>
         <p:spPr>
           <a:xfrm>
-            <a:off x="2763956" y="5037953"/>
-            <a:ext cx="19001421" cy="6106521"/>
+            <a:off x="2884324" y="5445985"/>
+            <a:ext cx="19001421" cy="5098231"/>
           </a:xfrm>
           <a:prstGeom prst="rect">
             <a:avLst/>
@@ -7442,7 +7640,50 @@
               </a:defRPr>
             </a:pPr>
             <a:r>
-              <a:t>Online competition improves your skills, but it doesn’t give you the necessary theory that companies are looking.</a:t>
+              <a:t>Git: </a:t>
+            </a:r>
+            <a:r>
+              <a:rPr b="0" sz="3600" u="sng">
+                <a:solidFill>
+                  <a:schemeClr val="accent1">
+                    <a:hueOff val="114395"/>
+                    <a:lumOff val="-24975"/>
+                  </a:schemeClr>
+                </a:solidFill>
+                <a:hlinkClick r:id="rId2" invalidUrl="" action="" tgtFrame="" tooltip="" history="1" highlightClick="0" endSnd="0"/>
+              </a:rPr>
+              <a:t>https://ohmygit.org/</a:t>
+            </a:r>
+            <a:endParaRPr b="0"/>
+          </a:p>
+          <a:p>
+            <a:pPr lvl="5" marL="0" indent="2286000" defTabSz="2438400">
+              <a:lnSpc>
+                <a:spcPct val="115000"/>
+              </a:lnSpc>
+              <a:spcBef>
+                <a:spcPts val="0"/>
+              </a:spcBef>
+              <a:buSzTx/>
+              <a:buNone/>
+              <a:defRPr sz="3600">
+                <a:solidFill>
+                  <a:schemeClr val="accent1">
+                    <a:hueOff val="114395"/>
+                    <a:lumOff val="-24975"/>
+                  </a:schemeClr>
+                </a:solidFill>
+                <a:latin typeface="Arial"/>
+                <a:ea typeface="Arial"/>
+                <a:cs typeface="Arial"/>
+                <a:sym typeface="Arial"/>
+              </a:defRPr>
+            </a:pPr>
+            <a:r>
+              <a:rPr u="sng">
+                <a:hlinkClick r:id="rId3" invalidUrl="" action="" tgtFrame="" tooltip="" history="1" highlightClick="0" endSnd="0"/>
+              </a:rPr>
+              <a:t>https://ohshitgit.com/</a:t>
             </a:r>
           </a:p>
           <a:p>
@@ -7454,7 +7695,47 @@
               </a:defRPr>
             </a:pPr>
             <a:r>
-              <a:t>Job interview challenges only cover one part of the process</a:t>
+              <a:t>CSS: </a:t>
+            </a:r>
+            <a:r>
+              <a:rPr b="0" sz="3600" u="sng">
+                <a:solidFill>
+                  <a:schemeClr val="accent1">
+                    <a:hueOff val="114395"/>
+                    <a:lumOff val="-24975"/>
+                  </a:schemeClr>
+                </a:solidFill>
+                <a:hlinkClick r:id="rId4" invalidUrl="" action="" tgtFrame="" tooltip="" history="1" highlightClick="0" endSnd="0"/>
+              </a:rPr>
+              <a:t>https://flukeout.github.io/</a:t>
+            </a:r>
+          </a:p>
+          <a:p>
+            <a:pPr marL="0" indent="0">
+              <a:buClrTx/>
+              <a:buSzTx/>
+              <a:buFontTx/>
+              <a:buNone/>
+              <a:defRPr b="1">
+                <a:solidFill>
+                  <a:srgbClr val="000000"/>
+                </a:solidFill>
+              </a:defRPr>
+            </a:pPr>
+            <a:r>
+              <a:t>                </a:t>
+            </a:r>
+            <a:r>
+              <a:rPr b="0" sz="3600" u="sng">
+                <a:solidFill>
+                  <a:schemeClr val="accent1">
+                    <a:hueOff val="114395"/>
+                    <a:lumOff val="-24975"/>
+                  </a:schemeClr>
+                </a:solidFill>
+                <a:hlinkClick r:id="rId5" invalidUrl="" action="" tgtFrame="" tooltip="" history="1" highlightClick="0" endSnd="0"/>
+              </a:rPr>
+              <a:t>https://css-tricks.com/</a:t>
             </a:r>
           </a:p>
           <a:p>
@@ -7466,7 +7747,19 @@
               </a:defRPr>
             </a:pPr>
             <a:r>
-              <a:t>Recruiters will ask you the underlying reasons of your answers</a:t>
+              <a:t>HTML: </a:t>
+            </a:r>
+            <a:r>
+              <a:rPr b="0" sz="3600" u="sng">
+                <a:solidFill>
+                  <a:schemeClr val="accent1">
+                    <a:hueOff val="114395"/>
+                    <a:lumOff val="-24975"/>
+                  </a:schemeClr>
+                </a:solidFill>
+                <a:hlinkClick r:id="rId6" invalidUrl="" action="" tgtFrame="" tooltip="" history="1" highlightClick="0" endSnd="0"/>
+              </a:rPr>
+              <a:t>https://www.w3schools.com/graphics/game_intro.asp</a:t>
             </a:r>
           </a:p>
           <a:p>
@@ -7478,7 +7771,19 @@
               </a:defRPr>
             </a:pPr>
             <a:r>
-              <a:t>Thus, take these competition website as a complement of your skillset</a:t>
+              <a:t>More Python: </a:t>
+            </a:r>
+            <a:r>
+              <a:rPr b="0" sz="3600" u="sng">
+                <a:solidFill>
+                  <a:schemeClr val="accent1">
+                    <a:hueOff val="114395"/>
+                    <a:lumOff val="-24975"/>
+                  </a:schemeClr>
+                </a:solidFill>
+                <a:hlinkClick r:id="rId7" invalidUrl="" action="" tgtFrame="" tooltip="" history="1" highlightClick="0" endSnd="0"/>
+              </a:rPr>
+              <a:t>https://www.codingame.com/start</a:t>
             </a:r>
           </a:p>
         </p:txBody>
